--- a/react/week-1-2/slides/react-basics.pptx
+++ b/react/week-1-2/slides/react-basics.pptx
@@ -5,7 +5,7 @@
     <p:sldMasterId id="2147483648" r:id="rId1"/>
   </p:sldMasterIdLst>
   <p:notesMasterIdLst>
-    <p:notesMasterId r:id="rId19"/>
+    <p:notesMasterId r:id="rId22"/>
   </p:notesMasterIdLst>
   <p:sldIdLst>
     <p:sldId id="499" r:id="rId2"/>
@@ -24,7 +24,10 @@
     <p:sldId id="563" r:id="rId15"/>
     <p:sldId id="557" r:id="rId16"/>
     <p:sldId id="549" r:id="rId17"/>
-    <p:sldId id="546" r:id="rId18"/>
+    <p:sldId id="565" r:id="rId18"/>
+    <p:sldId id="566" r:id="rId19"/>
+    <p:sldId id="567" r:id="rId20"/>
+    <p:sldId id="546" r:id="rId21"/>
   </p:sldIdLst>
   <p:sldSz cx="12192000" cy="6858000"/>
   <p:notesSz cx="6858000" cy="9144000"/>
@@ -213,7 +216,7 @@
           <a:p>
             <a:fld id="{8397923A-9A8B-D647-82A1-4C6DF09BF7D8}" type="datetimeFigureOut">
               <a:rPr lang="en-VN" smtClean="0"/>
-              <a:t>24/06/2022</a:t>
+              <a:t>28/06/2022</a:t>
             </a:fld>
             <a:endParaRPr lang="en-VN"/>
           </a:p>
@@ -1000,6 +1003,180 @@
 </p:notes>
 </file>
 
+<file path=ppt/notesSlides/notesSlide15.xml><?xml version="1.0" encoding="utf-8"?>
+<p:notes xmlns:a="http://schemas.openxmlformats.org/drawingml/2006/main" xmlns:r="http://schemas.openxmlformats.org/officeDocument/2006/relationships" xmlns:p="http://schemas.openxmlformats.org/presentationml/2006/main">
+  <p:cSld>
+    <p:spTree>
+      <p:nvGrpSpPr>
+        <p:cNvPr id="1" name=""/>
+        <p:cNvGrpSpPr/>
+        <p:nvPr/>
+      </p:nvGrpSpPr>
+      <p:grpSpPr>
+        <a:xfrm>
+          <a:off x="0" y="0"/>
+          <a:ext cx="0" cy="0"/>
+          <a:chOff x="0" y="0"/>
+          <a:chExt cx="0" cy="0"/>
+        </a:xfrm>
+      </p:grpSpPr>
+      <p:sp>
+        <p:nvSpPr>
+          <p:cNvPr id="2" name="Slide Image Placeholder 1"/>
+          <p:cNvSpPr>
+            <a:spLocks noGrp="1" noRot="1" noChangeAspect="1"/>
+          </p:cNvSpPr>
+          <p:nvPr>
+            <p:ph type="sldImg"/>
+          </p:nvPr>
+        </p:nvSpPr>
+        <p:spPr/>
+      </p:sp>
+      <p:sp>
+        <p:nvSpPr>
+          <p:cNvPr id="3" name="Notes Placeholder 2"/>
+          <p:cNvSpPr>
+            <a:spLocks noGrp="1"/>
+          </p:cNvSpPr>
+          <p:nvPr>
+            <p:ph type="body" idx="1"/>
+          </p:nvPr>
+        </p:nvSpPr>
+        <p:spPr/>
+        <p:txBody>
+          <a:bodyPr/>
+          <a:lstStyle/>
+          <a:p>
+            <a:endParaRPr lang="en-VN" dirty="0"/>
+          </a:p>
+          <a:p>
+            <a:endParaRPr lang="en-VN" dirty="0"/>
+          </a:p>
+        </p:txBody>
+      </p:sp>
+      <p:sp>
+        <p:nvSpPr>
+          <p:cNvPr id="4" name="Slide Number Placeholder 3"/>
+          <p:cNvSpPr>
+            <a:spLocks noGrp="1"/>
+          </p:cNvSpPr>
+          <p:nvPr>
+            <p:ph type="sldNum" sz="quarter" idx="5"/>
+          </p:nvPr>
+        </p:nvSpPr>
+        <p:spPr/>
+        <p:txBody>
+          <a:bodyPr/>
+          <a:lstStyle/>
+          <a:p>
+            <a:fld id="{F9ECD234-71C7-7E42-A560-5270883F4D15}" type="slidenum">
+              <a:rPr lang="en-VN" smtClean="0"/>
+              <a:t>18</a:t>
+            </a:fld>
+            <a:endParaRPr lang="en-VN"/>
+          </a:p>
+        </p:txBody>
+      </p:sp>
+    </p:spTree>
+    <p:extLst>
+      <p:ext uri="{BB962C8B-B14F-4D97-AF65-F5344CB8AC3E}">
+        <p14:creationId xmlns:p14="http://schemas.microsoft.com/office/powerpoint/2010/main" val="665768545"/>
+      </p:ext>
+    </p:extLst>
+  </p:cSld>
+  <p:clrMapOvr>
+    <a:masterClrMapping/>
+  </p:clrMapOvr>
+</p:notes>
+</file>
+
+<file path=ppt/notesSlides/notesSlide16.xml><?xml version="1.0" encoding="utf-8"?>
+<p:notes xmlns:a="http://schemas.openxmlformats.org/drawingml/2006/main" xmlns:r="http://schemas.openxmlformats.org/officeDocument/2006/relationships" xmlns:p="http://schemas.openxmlformats.org/presentationml/2006/main">
+  <p:cSld>
+    <p:spTree>
+      <p:nvGrpSpPr>
+        <p:cNvPr id="1" name=""/>
+        <p:cNvGrpSpPr/>
+        <p:nvPr/>
+      </p:nvGrpSpPr>
+      <p:grpSpPr>
+        <a:xfrm>
+          <a:off x="0" y="0"/>
+          <a:ext cx="0" cy="0"/>
+          <a:chOff x="0" y="0"/>
+          <a:chExt cx="0" cy="0"/>
+        </a:xfrm>
+      </p:grpSpPr>
+      <p:sp>
+        <p:nvSpPr>
+          <p:cNvPr id="2" name="Slide Image Placeholder 1"/>
+          <p:cNvSpPr>
+            <a:spLocks noGrp="1" noRot="1" noChangeAspect="1"/>
+          </p:cNvSpPr>
+          <p:nvPr>
+            <p:ph type="sldImg"/>
+          </p:nvPr>
+        </p:nvSpPr>
+        <p:spPr/>
+      </p:sp>
+      <p:sp>
+        <p:nvSpPr>
+          <p:cNvPr id="3" name="Notes Placeholder 2"/>
+          <p:cNvSpPr>
+            <a:spLocks noGrp="1"/>
+          </p:cNvSpPr>
+          <p:nvPr>
+            <p:ph type="body" idx="1"/>
+          </p:nvPr>
+        </p:nvSpPr>
+        <p:spPr/>
+        <p:txBody>
+          <a:bodyPr/>
+          <a:lstStyle/>
+          <a:p>
+            <a:endParaRPr lang="en-VN" dirty="0"/>
+          </a:p>
+          <a:p>
+            <a:endParaRPr lang="en-VN" dirty="0"/>
+          </a:p>
+        </p:txBody>
+      </p:sp>
+      <p:sp>
+        <p:nvSpPr>
+          <p:cNvPr id="4" name="Slide Number Placeholder 3"/>
+          <p:cNvSpPr>
+            <a:spLocks noGrp="1"/>
+          </p:cNvSpPr>
+          <p:nvPr>
+            <p:ph type="sldNum" sz="quarter" idx="5"/>
+          </p:nvPr>
+        </p:nvSpPr>
+        <p:spPr/>
+        <p:txBody>
+          <a:bodyPr/>
+          <a:lstStyle/>
+          <a:p>
+            <a:fld id="{F9ECD234-71C7-7E42-A560-5270883F4D15}" type="slidenum">
+              <a:rPr lang="en-VN" smtClean="0"/>
+              <a:t>19</a:t>
+            </a:fld>
+            <a:endParaRPr lang="en-VN"/>
+          </a:p>
+        </p:txBody>
+      </p:sp>
+    </p:spTree>
+    <p:extLst>
+      <p:ext uri="{BB962C8B-B14F-4D97-AF65-F5344CB8AC3E}">
+        <p14:creationId xmlns:p14="http://schemas.microsoft.com/office/powerpoint/2010/main" val="545623566"/>
+      </p:ext>
+    </p:extLst>
+  </p:cSld>
+  <p:clrMapOvr>
+    <a:masterClrMapping/>
+  </p:clrMapOvr>
+</p:notes>
+</file>
+
 <file path=ppt/notesSlides/notesSlide2.xml><?xml version="1.0" encoding="utf-8"?>
 <p:notes xmlns:a="http://schemas.openxmlformats.org/drawingml/2006/main" xmlns:r="http://schemas.openxmlformats.org/officeDocument/2006/relationships" xmlns:p="http://schemas.openxmlformats.org/presentationml/2006/main">
   <p:cSld>
@@ -1845,7 +2022,7 @@
           <a:p>
             <a:fld id="{BA38658F-287A-6647-8B4A-BB5A7C80BA8C}" type="datetimeFigureOut">
               <a:rPr lang="en-VN" smtClean="0"/>
-              <a:t>24/06/2022</a:t>
+              <a:t>28/06/2022</a:t>
             </a:fld>
             <a:endParaRPr lang="en-VN"/>
           </a:p>
@@ -2045,7 +2222,7 @@
           <a:p>
             <a:fld id="{BA38658F-287A-6647-8B4A-BB5A7C80BA8C}" type="datetimeFigureOut">
               <a:rPr lang="en-VN" smtClean="0"/>
-              <a:t>24/06/2022</a:t>
+              <a:t>28/06/2022</a:t>
             </a:fld>
             <a:endParaRPr lang="en-VN"/>
           </a:p>
@@ -2255,7 +2432,7 @@
           <a:p>
             <a:fld id="{BA38658F-287A-6647-8B4A-BB5A7C80BA8C}" type="datetimeFigureOut">
               <a:rPr lang="en-VN" smtClean="0"/>
-              <a:t>24/06/2022</a:t>
+              <a:t>28/06/2022</a:t>
             </a:fld>
             <a:endParaRPr lang="en-VN"/>
           </a:p>
@@ -2455,7 +2632,7 @@
           <a:p>
             <a:fld id="{BA38658F-287A-6647-8B4A-BB5A7C80BA8C}" type="datetimeFigureOut">
               <a:rPr lang="en-VN" smtClean="0"/>
-              <a:t>24/06/2022</a:t>
+              <a:t>28/06/2022</a:t>
             </a:fld>
             <a:endParaRPr lang="en-VN"/>
           </a:p>
@@ -2731,7 +2908,7 @@
           <a:p>
             <a:fld id="{BA38658F-287A-6647-8B4A-BB5A7C80BA8C}" type="datetimeFigureOut">
               <a:rPr lang="en-VN" smtClean="0"/>
-              <a:t>24/06/2022</a:t>
+              <a:t>28/06/2022</a:t>
             </a:fld>
             <a:endParaRPr lang="en-VN"/>
           </a:p>
@@ -2999,7 +3176,7 @@
           <a:p>
             <a:fld id="{BA38658F-287A-6647-8B4A-BB5A7C80BA8C}" type="datetimeFigureOut">
               <a:rPr lang="en-VN" smtClean="0"/>
-              <a:t>24/06/2022</a:t>
+              <a:t>28/06/2022</a:t>
             </a:fld>
             <a:endParaRPr lang="en-VN"/>
           </a:p>
@@ -3414,7 +3591,7 @@
           <a:p>
             <a:fld id="{BA38658F-287A-6647-8B4A-BB5A7C80BA8C}" type="datetimeFigureOut">
               <a:rPr lang="en-VN" smtClean="0"/>
-              <a:t>24/06/2022</a:t>
+              <a:t>28/06/2022</a:t>
             </a:fld>
             <a:endParaRPr lang="en-VN"/>
           </a:p>
@@ -3556,7 +3733,7 @@
           <a:p>
             <a:fld id="{BA38658F-287A-6647-8B4A-BB5A7C80BA8C}" type="datetimeFigureOut">
               <a:rPr lang="en-VN" smtClean="0"/>
-              <a:t>24/06/2022</a:t>
+              <a:t>28/06/2022</a:t>
             </a:fld>
             <a:endParaRPr lang="en-VN"/>
           </a:p>
@@ -3669,7 +3846,7 @@
           <a:p>
             <a:fld id="{BA38658F-287A-6647-8B4A-BB5A7C80BA8C}" type="datetimeFigureOut">
               <a:rPr lang="en-VN" smtClean="0"/>
-              <a:t>24/06/2022</a:t>
+              <a:t>28/06/2022</a:t>
             </a:fld>
             <a:endParaRPr lang="en-VN"/>
           </a:p>
@@ -3982,7 +4159,7 @@
           <a:p>
             <a:fld id="{BA38658F-287A-6647-8B4A-BB5A7C80BA8C}" type="datetimeFigureOut">
               <a:rPr lang="en-VN" smtClean="0"/>
-              <a:t>24/06/2022</a:t>
+              <a:t>28/06/2022</a:t>
             </a:fld>
             <a:endParaRPr lang="en-VN"/>
           </a:p>
@@ -4271,7 +4448,7 @@
           <a:p>
             <a:fld id="{BA38658F-287A-6647-8B4A-BB5A7C80BA8C}" type="datetimeFigureOut">
               <a:rPr lang="en-VN" smtClean="0"/>
-              <a:t>24/06/2022</a:t>
+              <a:t>28/06/2022</a:t>
             </a:fld>
             <a:endParaRPr lang="en-VN"/>
           </a:p>
@@ -4514,7 +4691,7 @@
           <a:p>
             <a:fld id="{BA38658F-287A-6647-8B4A-BB5A7C80BA8C}" type="datetimeFigureOut">
               <a:rPr lang="en-VN" smtClean="0"/>
-              <a:t>24/06/2022</a:t>
+              <a:t>28/06/2022</a:t>
             </a:fld>
             <a:endParaRPr lang="en-VN"/>
           </a:p>
@@ -7648,300 +7825,6 @@
           </a:prstGeom>
         </p:spPr>
       </p:pic>
-      <p:sp>
-        <p:nvSpPr>
-          <p:cNvPr id="5" name="TextBox 4">
-            <a:extLst>
-              <a:ext uri="{FF2B5EF4-FFF2-40B4-BE49-F238E27FC236}">
-                <a16:creationId xmlns:a16="http://schemas.microsoft.com/office/drawing/2014/main" id="{947EDDC4-8379-094A-BEE1-5504BFCE077F}"/>
-              </a:ext>
-            </a:extLst>
-          </p:cNvPr>
-          <p:cNvSpPr txBox="1"/>
-          <p:nvPr/>
-        </p:nvSpPr>
-        <p:spPr>
-          <a:xfrm>
-            <a:off x="2945550" y="2921168"/>
-            <a:ext cx="6300899" cy="1015663"/>
-          </a:xfrm>
-          <a:prstGeom prst="rect">
-            <a:avLst/>
-          </a:prstGeom>
-          <a:noFill/>
-        </p:spPr>
-        <p:txBody>
-          <a:bodyPr wrap="square" rtlCol="0">
-            <a:spAutoFit/>
-          </a:bodyPr>
-          <a:lstStyle/>
-          <a:p>
-            <a:pPr algn="ctr"/>
-            <a:r>
-              <a:rPr kumimoji="1" lang="en-US" altLang="ko-KR" sz="6000" b="1" dirty="0">
-                <a:solidFill>
-                  <a:schemeClr val="tx1">
-                    <a:lumMod val="75000"/>
-                    <a:lumOff val="25000"/>
-                  </a:schemeClr>
-                </a:solidFill>
-                <a:latin typeface="Proxima Nova" panose="02000506030000020004" pitchFamily="2" charset="0"/>
-                <a:ea typeface="Noto Sans CJK KR" panose="020B0500000000000000" pitchFamily="34" charset="-128"/>
-              </a:rPr>
-              <a:t>Thank you!</a:t>
-            </a:r>
-            <a:endParaRPr kumimoji="1" lang="ko-KR" altLang="en-US" sz="6000" b="1" dirty="0">
-              <a:solidFill>
-                <a:srgbClr val="404040"/>
-              </a:solidFill>
-              <a:latin typeface="Proxima Nova" panose="02000506030000020004" pitchFamily="2" charset="0"/>
-              <a:ea typeface="Noto Sans CJK KR" panose="020B0500000000000000" pitchFamily="34" charset="-128"/>
-            </a:endParaRPr>
-          </a:p>
-        </p:txBody>
-      </p:sp>
-      <p:sp>
-        <p:nvSpPr>
-          <p:cNvPr id="6" name="Google Shape;123;p21">
-            <a:extLst>
-              <a:ext uri="{FF2B5EF4-FFF2-40B4-BE49-F238E27FC236}">
-                <a16:creationId xmlns:a16="http://schemas.microsoft.com/office/drawing/2014/main" id="{E2D3DC69-460B-6C41-926F-12DC8DA6D75D}"/>
-              </a:ext>
-            </a:extLst>
-          </p:cNvPr>
-          <p:cNvSpPr txBox="1"/>
-          <p:nvPr/>
-        </p:nvSpPr>
-        <p:spPr>
-          <a:xfrm>
-            <a:off x="10142483" y="6208548"/>
-            <a:ext cx="2049518" cy="649452"/>
-          </a:xfrm>
-          <a:prstGeom prst="rect">
-            <a:avLst/>
-          </a:prstGeom>
-          <a:noFill/>
-          <a:ln>
-            <a:noFill/>
-          </a:ln>
-        </p:spPr>
-        <p:txBody>
-          <a:bodyPr spcFirstLastPara="1" wrap="square" lIns="91425" tIns="91425" rIns="91425" bIns="91425" anchor="t" anchorCtr="0">
-            <a:noAutofit/>
-          </a:bodyPr>
-          <a:lstStyle/>
-          <a:p>
-            <a:pPr marL="0" lvl="0" indent="0" algn="l" rtl="0">
-              <a:spcBef>
-                <a:spcPts val="0"/>
-              </a:spcBef>
-              <a:spcAft>
-                <a:spcPts val="0"/>
-              </a:spcAft>
-              <a:buNone/>
-            </a:pPr>
-            <a:r>
-              <a:rPr lang="en" sz="1400" dirty="0">
-                <a:solidFill>
-                  <a:srgbClr val="FF00FF"/>
-                </a:solidFill>
-                <a:latin typeface="Proxima Nova" panose="02000506030000020004" pitchFamily="2" charset="0"/>
-                <a:ea typeface="Proxima Nova"/>
-                <a:cs typeface="Proxima Nova"/>
-                <a:sym typeface="Proxima Nova"/>
-              </a:rPr>
-              <a:t>Reminder:</a:t>
-            </a:r>
-          </a:p>
-          <a:p>
-            <a:pPr marL="0" lvl="0" indent="0" algn="l" rtl="0">
-              <a:spcBef>
-                <a:spcPts val="0"/>
-              </a:spcBef>
-              <a:spcAft>
-                <a:spcPts val="0"/>
-              </a:spcAft>
-              <a:buNone/>
-            </a:pPr>
-            <a:r>
-              <a:rPr lang="en" sz="1400" dirty="0">
-                <a:solidFill>
-                  <a:srgbClr val="FF00FF"/>
-                </a:solidFill>
-                <a:latin typeface="Proxima Nova" panose="02000506030000020004" pitchFamily="2" charset="0"/>
-                <a:ea typeface="Proxima Nova"/>
-                <a:cs typeface="Proxima Nova"/>
-                <a:sym typeface="Proxima Nova"/>
-              </a:rPr>
-              <a:t>Practice makes perfect</a:t>
-            </a:r>
-            <a:endParaRPr sz="1400" dirty="0">
-              <a:solidFill>
-                <a:srgbClr val="FF00FF"/>
-              </a:solidFill>
-              <a:latin typeface="Proxima Nova" panose="02000506030000020004" pitchFamily="2" charset="0"/>
-              <a:ea typeface="Proxima Nova"/>
-              <a:cs typeface="Proxima Nova"/>
-              <a:sym typeface="Proxima Nova"/>
-            </a:endParaRPr>
-          </a:p>
-        </p:txBody>
-      </p:sp>
-      <p:sp>
-        <p:nvSpPr>
-          <p:cNvPr id="7" name="TextBox 6">
-            <a:extLst>
-              <a:ext uri="{FF2B5EF4-FFF2-40B4-BE49-F238E27FC236}">
-                <a16:creationId xmlns:a16="http://schemas.microsoft.com/office/drawing/2014/main" id="{BF6A0C4F-4F03-2742-BD9A-2D17F873AAF0}"/>
-              </a:ext>
-            </a:extLst>
-          </p:cNvPr>
-          <p:cNvSpPr txBox="1"/>
-          <p:nvPr/>
-        </p:nvSpPr>
-        <p:spPr>
-          <a:xfrm>
-            <a:off x="563667" y="443389"/>
-            <a:ext cx="4713514" cy="338554"/>
-          </a:xfrm>
-          <a:prstGeom prst="rect">
-            <a:avLst/>
-          </a:prstGeom>
-          <a:noFill/>
-        </p:spPr>
-        <p:txBody>
-          <a:bodyPr wrap="square" rtlCol="0">
-            <a:spAutoFit/>
-          </a:bodyPr>
-          <a:lstStyle/>
-          <a:p>
-            <a:r>
-              <a:rPr kumimoji="1" lang="en-US" altLang="ko-KR" sz="1600" spc="-60" dirty="0">
-                <a:solidFill>
-                  <a:srgbClr val="FF9E1B"/>
-                </a:solidFill>
-                <a:latin typeface="Proxima Nova" panose="02000506030000020004" pitchFamily="2" charset="0"/>
-                <a:ea typeface="Noto Sans CJK KR Medium" panose="020B0500000000000000" pitchFamily="34" charset="-128"/>
-                <a:cs typeface="Times New Roman" panose="02020603050405020304" pitchFamily="18" charset="0"/>
-              </a:rPr>
-              <a:t>Lecture </a:t>
-            </a:r>
-            <a:r>
-              <a:rPr kumimoji="1" lang="en-US" altLang="ko-KR" sz="1600" spc="-60" dirty="0">
-                <a:solidFill>
-                  <a:schemeClr val="tx1">
-                    <a:lumMod val="75000"/>
-                    <a:lumOff val="25000"/>
-                  </a:schemeClr>
-                </a:solidFill>
-                <a:latin typeface="Proxima Nova" panose="02000506030000020004" pitchFamily="2" charset="0"/>
-                <a:ea typeface="Noto Sans CJK KR DemiLight" panose="020B0400000000000000" pitchFamily="34" charset="-128"/>
-                <a:cs typeface="Times New Roman" panose="02020603050405020304" pitchFamily="18" charset="0"/>
-              </a:rPr>
-              <a:t>|</a:t>
-            </a:r>
-            <a:r>
-              <a:rPr kumimoji="1" lang="ko-KR" altLang="en-US" sz="1600" spc="-60" dirty="0">
-                <a:solidFill>
-                  <a:schemeClr val="tx1">
-                    <a:lumMod val="75000"/>
-                    <a:lumOff val="25000"/>
-                  </a:schemeClr>
-                </a:solidFill>
-                <a:latin typeface="Proxima Nova" panose="02000506030000020004" pitchFamily="2" charset="0"/>
-                <a:ea typeface="Noto Sans CJK KR DemiLight" panose="020B0400000000000000" pitchFamily="34" charset="-128"/>
-                <a:cs typeface="Times New Roman" panose="02020603050405020304" pitchFamily="18" charset="0"/>
-              </a:rPr>
-              <a:t> </a:t>
-            </a:r>
-            <a:r>
-              <a:rPr kumimoji="1" lang="en-US" altLang="ko-KR" sz="1600" spc="-60" dirty="0">
-                <a:solidFill>
-                  <a:schemeClr val="tx1">
-                    <a:lumMod val="75000"/>
-                    <a:lumOff val="25000"/>
-                  </a:schemeClr>
-                </a:solidFill>
-                <a:latin typeface="Proxima Nova" panose="02000506030000020004" pitchFamily="2" charset="0"/>
-                <a:ea typeface="Noto Sans CJK KR DemiLight" panose="020B0400000000000000" pitchFamily="34" charset="-128"/>
-                <a:cs typeface="Times New Roman" panose="02020603050405020304" pitchFamily="18" charset="0"/>
-              </a:rPr>
-              <a:t>React</a:t>
-            </a:r>
-            <a:endParaRPr kumimoji="1" lang="ko-KR" altLang="en-US" sz="1600" spc="-60" dirty="0">
-              <a:solidFill>
-                <a:schemeClr val="tx1">
-                  <a:lumMod val="75000"/>
-                  <a:lumOff val="25000"/>
-                </a:schemeClr>
-              </a:solidFill>
-              <a:latin typeface="Proxima Nova" panose="02000506030000020004" pitchFamily="2" charset="0"/>
-              <a:ea typeface="Noto Sans CJK KR DemiLight" panose="020B0400000000000000" pitchFamily="34" charset="-128"/>
-              <a:cs typeface="Times New Roman" panose="02020603050405020304" pitchFamily="18" charset="0"/>
-            </a:endParaRPr>
-          </a:p>
-        </p:txBody>
-      </p:sp>
-    </p:spTree>
-    <p:extLst>
-      <p:ext uri="{BB962C8B-B14F-4D97-AF65-F5344CB8AC3E}">
-        <p14:creationId xmlns:p14="http://schemas.microsoft.com/office/powerpoint/2010/main" val="1234578083"/>
-      </p:ext>
-    </p:extLst>
-  </p:cSld>
-  <p:clrMapOvr>
-    <a:masterClrMapping/>
-  </p:clrMapOvr>
-</p:sld>
-</file>
-
-<file path=ppt/slides/slide2.xml><?xml version="1.0" encoding="utf-8"?>
-<p:sld xmlns:a="http://schemas.openxmlformats.org/drawingml/2006/main" xmlns:r="http://schemas.openxmlformats.org/officeDocument/2006/relationships" xmlns:p="http://schemas.openxmlformats.org/presentationml/2006/main">
-  <p:cSld>
-    <p:spTree>
-      <p:nvGrpSpPr>
-        <p:cNvPr id="1" name=""/>
-        <p:cNvGrpSpPr/>
-        <p:nvPr/>
-      </p:nvGrpSpPr>
-      <p:grpSpPr>
-        <a:xfrm>
-          <a:off x="0" y="0"/>
-          <a:ext cx="0" cy="0"/>
-          <a:chOff x="0" y="0"/>
-          <a:chExt cx="0" cy="0"/>
-        </a:xfrm>
-      </p:grpSpPr>
-      <p:pic>
-        <p:nvPicPr>
-          <p:cNvPr id="8" name="그림 7" descr="모니터, 앉아있는, 컴퓨터, 노트북이(가) 표시된 사진&#10;&#10;자동 생성된 설명">
-            <a:extLst>
-              <a:ext uri="{FF2B5EF4-FFF2-40B4-BE49-F238E27FC236}">
-                <a16:creationId xmlns:a16="http://schemas.microsoft.com/office/drawing/2014/main" id="{EDB98343-40D3-6540-95D7-13F0EBCCE5C2}"/>
-              </a:ext>
-            </a:extLst>
-          </p:cNvPr>
-          <p:cNvPicPr>
-            <a:picLocks noChangeAspect="1"/>
-          </p:cNvPicPr>
-          <p:nvPr/>
-        </p:nvPicPr>
-        <p:blipFill>
-          <a:blip r:embed="rId2"/>
-          <a:stretch>
-            <a:fillRect/>
-          </a:stretch>
-        </p:blipFill>
-        <p:spPr>
-          <a:xfrm>
-            <a:off x="10507154" y="497155"/>
-            <a:ext cx="1088571" cy="170894"/>
-          </a:xfrm>
-          <a:prstGeom prst="rect">
-            <a:avLst/>
-          </a:prstGeom>
-        </p:spPr>
-      </p:pic>
       <p:grpSp>
         <p:nvGrpSpPr>
           <p:cNvPr id="4" name="그룹 1">
@@ -8073,8 +7956,8 @@
         </p:nvSpPr>
         <p:spPr>
           <a:xfrm>
-            <a:off x="3063729" y="2111707"/>
-            <a:ext cx="6064542" cy="2453300"/>
+            <a:off x="3063729" y="1893046"/>
+            <a:ext cx="6064542" cy="1222194"/>
           </a:xfrm>
           <a:prstGeom prst="rect">
             <a:avLst/>
@@ -8104,7 +7987,7 @@
                 <a:ea typeface="Noto Sans CJK KR DemiLight" panose="020B0400000000000000" pitchFamily="34" charset="-128"/>
                 <a:cs typeface="Times New Roman" panose="02020603050405020304" pitchFamily="18" charset="0"/>
               </a:rPr>
-              <a:t>1.</a:t>
+              <a:t>5.</a:t>
             </a:r>
             <a:r>
               <a:rPr kumimoji="1" lang="vi-VN" altLang="ko-KR" sz="2000" dirty="0">
@@ -8118,7 +8001,21 @@
                 <a:ea typeface="Noto Sans CJK KR DemiLight" panose="020B0400000000000000" pitchFamily="34" charset="-128"/>
                 <a:cs typeface="Times New Roman" panose="02020603050405020304" pitchFamily="18" charset="0"/>
               </a:rPr>
-              <a:t> SPA</a:t>
+              <a:t> </a:t>
+            </a:r>
+            <a:r>
+              <a:rPr kumimoji="1" lang="en-US" altLang="ko-KR" sz="2000" dirty="0">
+                <a:solidFill>
+                  <a:schemeClr val="tx1">
+                    <a:lumMod val="75000"/>
+                    <a:lumOff val="25000"/>
+                  </a:schemeClr>
+                </a:solidFill>
+                <a:latin typeface="Proxima Nova" panose="02000506030000020004" pitchFamily="2" charset="0"/>
+                <a:ea typeface="Noto Sans CJK KR DemiLight" panose="020B0400000000000000" pitchFamily="34" charset="-128"/>
+                <a:cs typeface="Times New Roman" panose="02020603050405020304" pitchFamily="18" charset="0"/>
+              </a:rPr>
+              <a:t>React Router DOM</a:t>
             </a:r>
           </a:p>
           <a:p>
@@ -8139,64 +8036,19 @@
                 <a:ea typeface="Noto Sans CJK KR DemiLight" panose="020B0400000000000000" pitchFamily="34" charset="-128"/>
                 <a:cs typeface="Times New Roman" panose="02020603050405020304" pitchFamily="18" charset="0"/>
               </a:rPr>
-              <a:t>2</a:t>
-            </a:r>
-            <a:r>
-              <a:rPr kumimoji="1" lang="vi-VN" altLang="ko-KR" sz="2000" dirty="0">
-                <a:solidFill>
-                  <a:schemeClr val="tx1">
-                    <a:lumMod val="75000"/>
-                    <a:lumOff val="25000"/>
-                  </a:schemeClr>
-                </a:solidFill>
-                <a:latin typeface="Proxima Nova" panose="02000506030000020004" pitchFamily="2" charset="0"/>
-                <a:ea typeface="Noto Sans CJK KR DemiLight" panose="020B0400000000000000" pitchFamily="34" charset="-128"/>
-                <a:cs typeface="Times New Roman" panose="02020603050405020304" pitchFamily="18" charset="0"/>
-              </a:rPr>
-              <a:t>. Lifecycle Components</a:t>
-            </a:r>
-          </a:p>
-          <a:p>
-            <a:pPr algn="ctr">
-              <a:lnSpc>
-                <a:spcPct val="200000"/>
-              </a:lnSpc>
-            </a:pPr>
-            <a:r>
-              <a:rPr kumimoji="1" lang="vi-VN" altLang="ko-KR" sz="2000" dirty="0">
-                <a:solidFill>
-                  <a:schemeClr val="tx1">
-                    <a:lumMod val="75000"/>
-                    <a:lumOff val="25000"/>
-                  </a:schemeClr>
-                </a:solidFill>
-                <a:latin typeface="Proxima Nova" panose="02000506030000020004" pitchFamily="2" charset="0"/>
-                <a:ea typeface="Noto Sans CJK KR DemiLight" panose="020B0400000000000000" pitchFamily="34" charset="-128"/>
-                <a:cs typeface="Times New Roman" panose="02020603050405020304" pitchFamily="18" charset="0"/>
-              </a:rPr>
-              <a:t>3. Props and State</a:t>
-            </a:r>
-          </a:p>
-          <a:p>
-            <a:pPr algn="ctr">
-              <a:lnSpc>
-                <a:spcPct val="200000"/>
-              </a:lnSpc>
-            </a:pPr>
-            <a:r>
-              <a:rPr kumimoji="1" lang="vi-VN" altLang="ko-KR" sz="2000" dirty="0">
-                <a:solidFill>
-                  <a:schemeClr val="tx1">
-                    <a:lumMod val="75000"/>
-                    <a:lumOff val="25000"/>
-                  </a:schemeClr>
-                </a:solidFill>
-                <a:latin typeface="Proxima Nova" panose="02000506030000020004" pitchFamily="2" charset="0"/>
-                <a:ea typeface="Noto Sans CJK KR DemiLight" panose="020B0400000000000000" pitchFamily="34" charset="-128"/>
-                <a:cs typeface="Times New Roman" panose="02020603050405020304" pitchFamily="18" charset="0"/>
-              </a:rPr>
-              <a:t>4. Hooks: UseEffect</a:t>
-            </a:r>
+              <a:t>6. Authentication with Firebase</a:t>
+            </a:r>
+            <a:endParaRPr kumimoji="1" lang="vi-VN" altLang="ko-KR" sz="2000" dirty="0">
+              <a:solidFill>
+                <a:schemeClr val="tx1">
+                  <a:lumMod val="75000"/>
+                  <a:lumOff val="25000"/>
+                </a:schemeClr>
+              </a:solidFill>
+              <a:latin typeface="Proxima Nova" panose="02000506030000020004" pitchFamily="2" charset="0"/>
+              <a:ea typeface="Noto Sans CJK KR DemiLight" panose="020B0400000000000000" pitchFamily="34" charset="-128"/>
+              <a:cs typeface="Times New Roman" panose="02020603050405020304" pitchFamily="18" charset="0"/>
+            </a:endParaRPr>
           </a:p>
         </p:txBody>
       </p:sp>
@@ -8298,7 +8150,1327 @@
     </p:spTree>
     <p:extLst>
       <p:ext uri="{BB962C8B-B14F-4D97-AF65-F5344CB8AC3E}">
+        <p14:creationId xmlns:p14="http://schemas.microsoft.com/office/powerpoint/2010/main" val="24945668"/>
+      </p:ext>
+    </p:extLst>
+  </p:cSld>
+  <p:clrMapOvr>
+    <a:masterClrMapping/>
+  </p:clrMapOvr>
+</p:sld>
+</file>
+
+<file path=ppt/slides/slide18.xml><?xml version="1.0" encoding="utf-8"?>
+<p:sld xmlns:a="http://schemas.openxmlformats.org/drawingml/2006/main" xmlns:r="http://schemas.openxmlformats.org/officeDocument/2006/relationships" xmlns:p="http://schemas.openxmlformats.org/presentationml/2006/main">
+  <p:cSld>
+    <p:spTree>
+      <p:nvGrpSpPr>
+        <p:cNvPr id="1" name=""/>
+        <p:cNvGrpSpPr/>
+        <p:nvPr/>
+      </p:nvGrpSpPr>
+      <p:grpSpPr>
+        <a:xfrm>
+          <a:off x="0" y="0"/>
+          <a:ext cx="0" cy="0"/>
+          <a:chOff x="0" y="0"/>
+          <a:chExt cx="0" cy="0"/>
+        </a:xfrm>
+      </p:grpSpPr>
+      <p:pic>
+        <p:nvPicPr>
+          <p:cNvPr id="8" name="그림 7" descr="모니터, 앉아있는, 컴퓨터, 노트북이(가) 표시된 사진&#10;&#10;자동 생성된 설명">
+            <a:extLst>
+              <a:ext uri="{FF2B5EF4-FFF2-40B4-BE49-F238E27FC236}">
+                <a16:creationId xmlns:a16="http://schemas.microsoft.com/office/drawing/2014/main" id="{EDB98343-40D3-6540-95D7-13F0EBCCE5C2}"/>
+              </a:ext>
+            </a:extLst>
+          </p:cNvPr>
+          <p:cNvPicPr>
+            <a:picLocks noChangeAspect="1"/>
+          </p:cNvPicPr>
+          <p:nvPr/>
+        </p:nvPicPr>
+        <p:blipFill>
+          <a:blip r:embed="rId3"/>
+          <a:stretch>
+            <a:fillRect/>
+          </a:stretch>
+        </p:blipFill>
+        <p:spPr>
+          <a:xfrm>
+            <a:off x="10507154" y="497155"/>
+            <a:ext cx="1088571" cy="170894"/>
+          </a:xfrm>
+          <a:prstGeom prst="rect">
+            <a:avLst/>
+          </a:prstGeom>
+        </p:spPr>
+      </p:pic>
+      <p:sp>
+        <p:nvSpPr>
+          <p:cNvPr id="4" name="Google Shape;120;p21">
+            <a:extLst>
+              <a:ext uri="{FF2B5EF4-FFF2-40B4-BE49-F238E27FC236}">
+                <a16:creationId xmlns:a16="http://schemas.microsoft.com/office/drawing/2014/main" id="{DD74199B-97CE-F046-A727-0D20932A5EFB}"/>
+              </a:ext>
+            </a:extLst>
+          </p:cNvPr>
+          <p:cNvSpPr txBox="1">
+            <a:spLocks/>
+          </p:cNvSpPr>
+          <p:nvPr/>
+        </p:nvSpPr>
+        <p:spPr>
+          <a:xfrm>
+            <a:off x="563667" y="1234103"/>
+            <a:ext cx="8520600" cy="572700"/>
+          </a:xfrm>
+          <a:prstGeom prst="rect">
+            <a:avLst/>
+          </a:prstGeom>
+        </p:spPr>
+        <p:txBody>
+          <a:bodyPr spcFirstLastPara="1" vert="horz" wrap="square" lIns="91425" tIns="91425" rIns="91425" bIns="91425" rtlCol="0" anchor="t" anchorCtr="0">
+            <a:noAutofit/>
+          </a:bodyPr>
+          <a:lstStyle>
+            <a:lvl1pPr algn="ctr" defTabSz="914400" rtl="0" eaLnBrk="1" latinLnBrk="0" hangingPunct="1">
+              <a:lnSpc>
+                <a:spcPct val="90000"/>
+              </a:lnSpc>
+              <a:spcBef>
+                <a:spcPct val="0"/>
+              </a:spcBef>
+              <a:buNone/>
+              <a:defRPr sz="6000" kern="1200">
+                <a:solidFill>
+                  <a:schemeClr val="tx1"/>
+                </a:solidFill>
+                <a:latin typeface="+mj-lt"/>
+                <a:ea typeface="+mj-ea"/>
+                <a:cs typeface="+mj-cs"/>
+              </a:defRPr>
+            </a:lvl1pPr>
+          </a:lstStyle>
+          <a:p>
+            <a:pPr algn="l">
+              <a:spcBef>
+                <a:spcPts val="0"/>
+              </a:spcBef>
+            </a:pPr>
+            <a:r>
+              <a:rPr lang="en-US" sz="2800" b="1" dirty="0">
+                <a:latin typeface="Proxima Nova" panose="02000506030000020004" pitchFamily="2" charset="0"/>
+              </a:rPr>
+              <a:t>React Router Dom</a:t>
+            </a:r>
+          </a:p>
+        </p:txBody>
+      </p:sp>
+      <p:sp>
+        <p:nvSpPr>
+          <p:cNvPr id="6" name="TextBox 5">
+            <a:extLst>
+              <a:ext uri="{FF2B5EF4-FFF2-40B4-BE49-F238E27FC236}">
+                <a16:creationId xmlns:a16="http://schemas.microsoft.com/office/drawing/2014/main" id="{216857AB-8348-ED4C-8303-2A46B4A703C0}"/>
+              </a:ext>
+            </a:extLst>
+          </p:cNvPr>
+          <p:cNvSpPr txBox="1"/>
+          <p:nvPr/>
+        </p:nvSpPr>
+        <p:spPr>
+          <a:xfrm>
+            <a:off x="563666" y="2258963"/>
+            <a:ext cx="10727185" cy="606641"/>
+          </a:xfrm>
+          <a:prstGeom prst="rect">
+            <a:avLst/>
+          </a:prstGeom>
+          <a:noFill/>
+        </p:spPr>
+        <p:txBody>
+          <a:bodyPr wrap="square" rtlCol="0">
+            <a:spAutoFit/>
+          </a:bodyPr>
+          <a:lstStyle/>
+          <a:p>
+            <a:pPr marL="342900" indent="-342900">
+              <a:lnSpc>
+                <a:spcPct val="200000"/>
+              </a:lnSpc>
+              <a:buFontTx/>
+              <a:buChar char="-"/>
+            </a:pPr>
+            <a:r>
+              <a:rPr kumimoji="1" lang="vi-VN" altLang="ko-KR" sz="2000" dirty="0">
+                <a:solidFill>
+                  <a:schemeClr val="tx1">
+                    <a:lumMod val="75000"/>
+                    <a:lumOff val="25000"/>
+                  </a:schemeClr>
+                </a:solidFill>
+                <a:latin typeface="Proxima Nova" panose="02000506030000020004" pitchFamily="2" charset="0"/>
+                <a:ea typeface="Noto Sans CJK KR DemiLight" panose="020B0400000000000000" pitchFamily="34" charset="-128"/>
+                <a:cs typeface="Times New Roman" panose="02020603050405020304" pitchFamily="18" charset="0"/>
+              </a:rPr>
+              <a:t>React Router Dom is a popular and powerful routing library for React applications</a:t>
+            </a:r>
+          </a:p>
+        </p:txBody>
+      </p:sp>
+      <p:sp>
+        <p:nvSpPr>
+          <p:cNvPr id="7" name="TextBox 6">
+            <a:extLst>
+              <a:ext uri="{FF2B5EF4-FFF2-40B4-BE49-F238E27FC236}">
+                <a16:creationId xmlns:a16="http://schemas.microsoft.com/office/drawing/2014/main" id="{F7915E7A-D5D5-F340-9249-63140E1C4AE4}"/>
+              </a:ext>
+            </a:extLst>
+          </p:cNvPr>
+          <p:cNvSpPr txBox="1"/>
+          <p:nvPr/>
+        </p:nvSpPr>
+        <p:spPr>
+          <a:xfrm>
+            <a:off x="563667" y="443389"/>
+            <a:ext cx="4713514" cy="338554"/>
+          </a:xfrm>
+          <a:prstGeom prst="rect">
+            <a:avLst/>
+          </a:prstGeom>
+          <a:noFill/>
+        </p:spPr>
+        <p:txBody>
+          <a:bodyPr wrap="square" rtlCol="0">
+            <a:spAutoFit/>
+          </a:bodyPr>
+          <a:lstStyle/>
+          <a:p>
+            <a:r>
+              <a:rPr kumimoji="1" lang="en-US" altLang="ko-KR" sz="1600" spc="-60" dirty="0">
+                <a:solidFill>
+                  <a:srgbClr val="FF9E1B"/>
+                </a:solidFill>
+                <a:latin typeface="Proxima Nova" panose="02000506030000020004" pitchFamily="2" charset="0"/>
+                <a:ea typeface="Noto Sans CJK KR Medium" panose="020B0500000000000000" pitchFamily="34" charset="-128"/>
+                <a:cs typeface="Times New Roman" panose="02020603050405020304" pitchFamily="18" charset="0"/>
+              </a:rPr>
+              <a:t>Lecture </a:t>
+            </a:r>
+            <a:r>
+              <a:rPr kumimoji="1" lang="en-US" altLang="ko-KR" sz="1600" spc="-60" dirty="0">
+                <a:solidFill>
+                  <a:schemeClr val="tx1">
+                    <a:lumMod val="75000"/>
+                    <a:lumOff val="25000"/>
+                  </a:schemeClr>
+                </a:solidFill>
+                <a:latin typeface="Proxima Nova" panose="02000506030000020004" pitchFamily="2" charset="0"/>
+                <a:ea typeface="Noto Sans CJK KR DemiLight" panose="020B0400000000000000" pitchFamily="34" charset="-128"/>
+                <a:cs typeface="Times New Roman" panose="02020603050405020304" pitchFamily="18" charset="0"/>
+              </a:rPr>
+              <a:t>|</a:t>
+            </a:r>
+            <a:r>
+              <a:rPr kumimoji="1" lang="ko-KR" altLang="en-US" sz="1600" spc="-60" dirty="0">
+                <a:solidFill>
+                  <a:schemeClr val="tx1">
+                    <a:lumMod val="75000"/>
+                    <a:lumOff val="25000"/>
+                  </a:schemeClr>
+                </a:solidFill>
+                <a:latin typeface="Proxima Nova" panose="02000506030000020004" pitchFamily="2" charset="0"/>
+                <a:ea typeface="Noto Sans CJK KR DemiLight" panose="020B0400000000000000" pitchFamily="34" charset="-128"/>
+                <a:cs typeface="Times New Roman" panose="02020603050405020304" pitchFamily="18" charset="0"/>
+              </a:rPr>
+              <a:t> </a:t>
+            </a:r>
+            <a:r>
+              <a:rPr kumimoji="1" lang="en-US" altLang="ko-KR" sz="1600" spc="-60" dirty="0">
+                <a:solidFill>
+                  <a:schemeClr val="tx1">
+                    <a:lumMod val="75000"/>
+                    <a:lumOff val="25000"/>
+                  </a:schemeClr>
+                </a:solidFill>
+                <a:latin typeface="Proxima Nova" panose="02000506030000020004" pitchFamily="2" charset="0"/>
+                <a:ea typeface="Noto Sans CJK KR DemiLight" panose="020B0400000000000000" pitchFamily="34" charset="-128"/>
+                <a:cs typeface="Times New Roman" panose="02020603050405020304" pitchFamily="18" charset="0"/>
+              </a:rPr>
+              <a:t>React</a:t>
+            </a:r>
+            <a:endParaRPr kumimoji="1" lang="ko-KR" altLang="en-US" sz="1600" spc="-60" dirty="0">
+              <a:solidFill>
+                <a:schemeClr val="tx1">
+                  <a:lumMod val="75000"/>
+                  <a:lumOff val="25000"/>
+                </a:schemeClr>
+              </a:solidFill>
+              <a:latin typeface="Proxima Nova" panose="02000506030000020004" pitchFamily="2" charset="0"/>
+              <a:ea typeface="Noto Sans CJK KR DemiLight" panose="020B0400000000000000" pitchFamily="34" charset="-128"/>
+              <a:cs typeface="Times New Roman" panose="02020603050405020304" pitchFamily="18" charset="0"/>
+            </a:endParaRPr>
+          </a:p>
+        </p:txBody>
+      </p:sp>
+      <p:pic>
+        <p:nvPicPr>
+          <p:cNvPr id="3" name="Picture 2">
+            <a:extLst>
+              <a:ext uri="{FF2B5EF4-FFF2-40B4-BE49-F238E27FC236}">
+                <a16:creationId xmlns:a16="http://schemas.microsoft.com/office/drawing/2014/main" id="{8A443E9D-F927-FB46-8FDA-BBFFB2E03A15}"/>
+              </a:ext>
+            </a:extLst>
+          </p:cNvPr>
+          <p:cNvPicPr>
+            <a:picLocks noChangeAspect="1"/>
+          </p:cNvPicPr>
+          <p:nvPr/>
+        </p:nvPicPr>
+        <p:blipFill>
+          <a:blip r:embed="rId4"/>
+          <a:stretch>
+            <a:fillRect/>
+          </a:stretch>
+        </p:blipFill>
+        <p:spPr>
+          <a:xfrm>
+            <a:off x="2881541" y="3051314"/>
+            <a:ext cx="6091434" cy="3520444"/>
+          </a:xfrm>
+          <a:prstGeom prst="rect">
+            <a:avLst/>
+          </a:prstGeom>
+        </p:spPr>
+      </p:pic>
+    </p:spTree>
+    <p:extLst>
+      <p:ext uri="{BB962C8B-B14F-4D97-AF65-F5344CB8AC3E}">
+        <p14:creationId xmlns:p14="http://schemas.microsoft.com/office/powerpoint/2010/main" val="2399347496"/>
+      </p:ext>
+    </p:extLst>
+  </p:cSld>
+  <p:clrMapOvr>
+    <a:masterClrMapping/>
+  </p:clrMapOvr>
+</p:sld>
+</file>
+
+<file path=ppt/slides/slide19.xml><?xml version="1.0" encoding="utf-8"?>
+<p:sld xmlns:a="http://schemas.openxmlformats.org/drawingml/2006/main" xmlns:r="http://schemas.openxmlformats.org/officeDocument/2006/relationships" xmlns:p="http://schemas.openxmlformats.org/presentationml/2006/main">
+  <p:cSld>
+    <p:spTree>
+      <p:nvGrpSpPr>
+        <p:cNvPr id="1" name=""/>
+        <p:cNvGrpSpPr/>
+        <p:nvPr/>
+      </p:nvGrpSpPr>
+      <p:grpSpPr>
+        <a:xfrm>
+          <a:off x="0" y="0"/>
+          <a:ext cx="0" cy="0"/>
+          <a:chOff x="0" y="0"/>
+          <a:chExt cx="0" cy="0"/>
+        </a:xfrm>
+      </p:grpSpPr>
+      <p:pic>
+        <p:nvPicPr>
+          <p:cNvPr id="8" name="그림 7" descr="모니터, 앉아있는, 컴퓨터, 노트북이(가) 표시된 사진&#10;&#10;자동 생성된 설명">
+            <a:extLst>
+              <a:ext uri="{FF2B5EF4-FFF2-40B4-BE49-F238E27FC236}">
+                <a16:creationId xmlns:a16="http://schemas.microsoft.com/office/drawing/2014/main" id="{EDB98343-40D3-6540-95D7-13F0EBCCE5C2}"/>
+              </a:ext>
+            </a:extLst>
+          </p:cNvPr>
+          <p:cNvPicPr>
+            <a:picLocks noChangeAspect="1"/>
+          </p:cNvPicPr>
+          <p:nvPr/>
+        </p:nvPicPr>
+        <p:blipFill>
+          <a:blip r:embed="rId3"/>
+          <a:stretch>
+            <a:fillRect/>
+          </a:stretch>
+        </p:blipFill>
+        <p:spPr>
+          <a:xfrm>
+            <a:off x="10507154" y="497155"/>
+            <a:ext cx="1088571" cy="170894"/>
+          </a:xfrm>
+          <a:prstGeom prst="rect">
+            <a:avLst/>
+          </a:prstGeom>
+        </p:spPr>
+      </p:pic>
+      <p:sp>
+        <p:nvSpPr>
+          <p:cNvPr id="4" name="Google Shape;120;p21">
+            <a:extLst>
+              <a:ext uri="{FF2B5EF4-FFF2-40B4-BE49-F238E27FC236}">
+                <a16:creationId xmlns:a16="http://schemas.microsoft.com/office/drawing/2014/main" id="{DD74199B-97CE-F046-A727-0D20932A5EFB}"/>
+              </a:ext>
+            </a:extLst>
+          </p:cNvPr>
+          <p:cNvSpPr txBox="1">
+            <a:spLocks/>
+          </p:cNvSpPr>
+          <p:nvPr/>
+        </p:nvSpPr>
+        <p:spPr>
+          <a:xfrm>
+            <a:off x="563667" y="1234103"/>
+            <a:ext cx="8520600" cy="572700"/>
+          </a:xfrm>
+          <a:prstGeom prst="rect">
+            <a:avLst/>
+          </a:prstGeom>
+        </p:spPr>
+        <p:txBody>
+          <a:bodyPr spcFirstLastPara="1" vert="horz" wrap="square" lIns="91425" tIns="91425" rIns="91425" bIns="91425" rtlCol="0" anchor="t" anchorCtr="0">
+            <a:noAutofit/>
+          </a:bodyPr>
+          <a:lstStyle>
+            <a:lvl1pPr algn="ctr" defTabSz="914400" rtl="0" eaLnBrk="1" latinLnBrk="0" hangingPunct="1">
+              <a:lnSpc>
+                <a:spcPct val="90000"/>
+              </a:lnSpc>
+              <a:spcBef>
+                <a:spcPct val="0"/>
+              </a:spcBef>
+              <a:buNone/>
+              <a:defRPr sz="6000" kern="1200">
+                <a:solidFill>
+                  <a:schemeClr val="tx1"/>
+                </a:solidFill>
+                <a:latin typeface="+mj-lt"/>
+                <a:ea typeface="+mj-ea"/>
+                <a:cs typeface="+mj-cs"/>
+              </a:defRPr>
+            </a:lvl1pPr>
+          </a:lstStyle>
+          <a:p>
+            <a:pPr algn="l">
+              <a:spcBef>
+                <a:spcPts val="0"/>
+              </a:spcBef>
+            </a:pPr>
+            <a:r>
+              <a:rPr lang="en-US" sz="2800" b="1" dirty="0">
+                <a:latin typeface="Proxima Nova" panose="02000506030000020004" pitchFamily="2" charset="0"/>
+              </a:rPr>
+              <a:t>Firebase</a:t>
+            </a:r>
+          </a:p>
+        </p:txBody>
+      </p:sp>
+      <p:sp>
+        <p:nvSpPr>
+          <p:cNvPr id="6" name="TextBox 5">
+            <a:extLst>
+              <a:ext uri="{FF2B5EF4-FFF2-40B4-BE49-F238E27FC236}">
+                <a16:creationId xmlns:a16="http://schemas.microsoft.com/office/drawing/2014/main" id="{216857AB-8348-ED4C-8303-2A46B4A703C0}"/>
+              </a:ext>
+            </a:extLst>
+          </p:cNvPr>
+          <p:cNvSpPr txBox="1"/>
+          <p:nvPr/>
+        </p:nvSpPr>
+        <p:spPr>
+          <a:xfrm>
+            <a:off x="563666" y="2258963"/>
+            <a:ext cx="10727185" cy="606641"/>
+          </a:xfrm>
+          <a:prstGeom prst="rect">
+            <a:avLst/>
+          </a:prstGeom>
+          <a:noFill/>
+        </p:spPr>
+        <p:txBody>
+          <a:bodyPr wrap="square" rtlCol="0">
+            <a:spAutoFit/>
+          </a:bodyPr>
+          <a:lstStyle/>
+          <a:p>
+            <a:pPr marL="342900" indent="-342900">
+              <a:lnSpc>
+                <a:spcPct val="200000"/>
+              </a:lnSpc>
+              <a:buFontTx/>
+              <a:buChar char="-"/>
+            </a:pPr>
+            <a:r>
+              <a:rPr kumimoji="1" lang="vi-VN" altLang="ko-KR" sz="2000" dirty="0">
+                <a:solidFill>
+                  <a:schemeClr val="tx1">
+                    <a:lumMod val="75000"/>
+                    <a:lumOff val="25000"/>
+                  </a:schemeClr>
+                </a:solidFill>
+                <a:latin typeface="Proxima Nova" panose="02000506030000020004" pitchFamily="2" charset="0"/>
+                <a:ea typeface="Noto Sans CJK KR DemiLight" panose="020B0400000000000000" pitchFamily="34" charset="-128"/>
+                <a:cs typeface="Times New Roman" panose="02020603050405020304" pitchFamily="18" charset="0"/>
+              </a:rPr>
+              <a:t>Firebase is an app development platform that helps you build and grow web apps</a:t>
+            </a:r>
+          </a:p>
+        </p:txBody>
+      </p:sp>
+      <p:sp>
+        <p:nvSpPr>
+          <p:cNvPr id="7" name="TextBox 6">
+            <a:extLst>
+              <a:ext uri="{FF2B5EF4-FFF2-40B4-BE49-F238E27FC236}">
+                <a16:creationId xmlns:a16="http://schemas.microsoft.com/office/drawing/2014/main" id="{F7915E7A-D5D5-F340-9249-63140E1C4AE4}"/>
+              </a:ext>
+            </a:extLst>
+          </p:cNvPr>
+          <p:cNvSpPr txBox="1"/>
+          <p:nvPr/>
+        </p:nvSpPr>
+        <p:spPr>
+          <a:xfrm>
+            <a:off x="563667" y="443389"/>
+            <a:ext cx="4713514" cy="338554"/>
+          </a:xfrm>
+          <a:prstGeom prst="rect">
+            <a:avLst/>
+          </a:prstGeom>
+          <a:noFill/>
+        </p:spPr>
+        <p:txBody>
+          <a:bodyPr wrap="square" rtlCol="0">
+            <a:spAutoFit/>
+          </a:bodyPr>
+          <a:lstStyle/>
+          <a:p>
+            <a:r>
+              <a:rPr kumimoji="1" lang="en-US" altLang="ko-KR" sz="1600" spc="-60" dirty="0">
+                <a:solidFill>
+                  <a:srgbClr val="FF9E1B"/>
+                </a:solidFill>
+                <a:latin typeface="Proxima Nova" panose="02000506030000020004" pitchFamily="2" charset="0"/>
+                <a:ea typeface="Noto Sans CJK KR Medium" panose="020B0500000000000000" pitchFamily="34" charset="-128"/>
+                <a:cs typeface="Times New Roman" panose="02020603050405020304" pitchFamily="18" charset="0"/>
+              </a:rPr>
+              <a:t>Lecture </a:t>
+            </a:r>
+            <a:r>
+              <a:rPr kumimoji="1" lang="en-US" altLang="ko-KR" sz="1600" spc="-60" dirty="0">
+                <a:solidFill>
+                  <a:schemeClr val="tx1">
+                    <a:lumMod val="75000"/>
+                    <a:lumOff val="25000"/>
+                  </a:schemeClr>
+                </a:solidFill>
+                <a:latin typeface="Proxima Nova" panose="02000506030000020004" pitchFamily="2" charset="0"/>
+                <a:ea typeface="Noto Sans CJK KR DemiLight" panose="020B0400000000000000" pitchFamily="34" charset="-128"/>
+                <a:cs typeface="Times New Roman" panose="02020603050405020304" pitchFamily="18" charset="0"/>
+              </a:rPr>
+              <a:t>|</a:t>
+            </a:r>
+            <a:r>
+              <a:rPr kumimoji="1" lang="ko-KR" altLang="en-US" sz="1600" spc="-60" dirty="0">
+                <a:solidFill>
+                  <a:schemeClr val="tx1">
+                    <a:lumMod val="75000"/>
+                    <a:lumOff val="25000"/>
+                  </a:schemeClr>
+                </a:solidFill>
+                <a:latin typeface="Proxima Nova" panose="02000506030000020004" pitchFamily="2" charset="0"/>
+                <a:ea typeface="Noto Sans CJK KR DemiLight" panose="020B0400000000000000" pitchFamily="34" charset="-128"/>
+                <a:cs typeface="Times New Roman" panose="02020603050405020304" pitchFamily="18" charset="0"/>
+              </a:rPr>
+              <a:t> </a:t>
+            </a:r>
+            <a:r>
+              <a:rPr kumimoji="1" lang="en-US" altLang="ko-KR" sz="1600" spc="-60" dirty="0">
+                <a:solidFill>
+                  <a:schemeClr val="tx1">
+                    <a:lumMod val="75000"/>
+                    <a:lumOff val="25000"/>
+                  </a:schemeClr>
+                </a:solidFill>
+                <a:latin typeface="Proxima Nova" panose="02000506030000020004" pitchFamily="2" charset="0"/>
+                <a:ea typeface="Noto Sans CJK KR DemiLight" panose="020B0400000000000000" pitchFamily="34" charset="-128"/>
+                <a:cs typeface="Times New Roman" panose="02020603050405020304" pitchFamily="18" charset="0"/>
+              </a:rPr>
+              <a:t>React</a:t>
+            </a:r>
+            <a:endParaRPr kumimoji="1" lang="ko-KR" altLang="en-US" sz="1600" spc="-60" dirty="0">
+              <a:solidFill>
+                <a:schemeClr val="tx1">
+                  <a:lumMod val="75000"/>
+                  <a:lumOff val="25000"/>
+                </a:schemeClr>
+              </a:solidFill>
+              <a:latin typeface="Proxima Nova" panose="02000506030000020004" pitchFamily="2" charset="0"/>
+              <a:ea typeface="Noto Sans CJK KR DemiLight" panose="020B0400000000000000" pitchFamily="34" charset="-128"/>
+              <a:cs typeface="Times New Roman" panose="02020603050405020304" pitchFamily="18" charset="0"/>
+            </a:endParaRPr>
+          </a:p>
+        </p:txBody>
+      </p:sp>
+      <p:pic>
+        <p:nvPicPr>
+          <p:cNvPr id="1026" name="Picture 2" descr="Firebase là gì? Giải pháp lập trình IoT không cần Backend từ Google –  elec2PCB.com">
+            <a:extLst>
+              <a:ext uri="{FF2B5EF4-FFF2-40B4-BE49-F238E27FC236}">
+                <a16:creationId xmlns:a16="http://schemas.microsoft.com/office/drawing/2014/main" id="{9AF11968-018C-924A-AC1A-82EEFE5A57ED}"/>
+              </a:ext>
+            </a:extLst>
+          </p:cNvPr>
+          <p:cNvPicPr>
+            <a:picLocks noChangeAspect="1" noChangeArrowheads="1"/>
+          </p:cNvPicPr>
+          <p:nvPr/>
+        </p:nvPicPr>
+        <p:blipFill>
+          <a:blip r:embed="rId4">
+            <a:extLst>
+              <a:ext uri="{28A0092B-C50C-407E-A947-70E740481C1C}">
+                <a14:useLocalDpi xmlns:a14="http://schemas.microsoft.com/office/drawing/2010/main" val="0"/>
+              </a:ext>
+            </a:extLst>
+          </a:blip>
+          <a:srcRect/>
+          <a:stretch>
+            <a:fillRect/>
+          </a:stretch>
+        </p:blipFill>
+        <p:spPr bwMode="auto">
+          <a:xfrm>
+            <a:off x="2595095" y="3006175"/>
+            <a:ext cx="6664325" cy="3808186"/>
+          </a:xfrm>
+          <a:prstGeom prst="rect">
+            <a:avLst/>
+          </a:prstGeom>
+          <a:noFill/>
+          <a:extLst>
+            <a:ext uri="{909E8E84-426E-40DD-AFC4-6F175D3DCCD1}">
+              <a14:hiddenFill xmlns:a14="http://schemas.microsoft.com/office/drawing/2010/main">
+                <a:solidFill>
+                  <a:srgbClr val="FFFFFF"/>
+                </a:solidFill>
+              </a14:hiddenFill>
+            </a:ext>
+          </a:extLst>
+        </p:spPr>
+      </p:pic>
+    </p:spTree>
+    <p:extLst>
+      <p:ext uri="{BB962C8B-B14F-4D97-AF65-F5344CB8AC3E}">
+        <p14:creationId xmlns:p14="http://schemas.microsoft.com/office/powerpoint/2010/main" val="1181203976"/>
+      </p:ext>
+    </p:extLst>
+  </p:cSld>
+  <p:clrMapOvr>
+    <a:masterClrMapping/>
+  </p:clrMapOvr>
+</p:sld>
+</file>
+
+<file path=ppt/slides/slide2.xml><?xml version="1.0" encoding="utf-8"?>
+<p:sld xmlns:a="http://schemas.openxmlformats.org/drawingml/2006/main" xmlns:r="http://schemas.openxmlformats.org/officeDocument/2006/relationships" xmlns:p="http://schemas.openxmlformats.org/presentationml/2006/main">
+  <p:cSld>
+    <p:spTree>
+      <p:nvGrpSpPr>
+        <p:cNvPr id="1" name=""/>
+        <p:cNvGrpSpPr/>
+        <p:nvPr/>
+      </p:nvGrpSpPr>
+      <p:grpSpPr>
+        <a:xfrm>
+          <a:off x="0" y="0"/>
+          <a:ext cx="0" cy="0"/>
+          <a:chOff x="0" y="0"/>
+          <a:chExt cx="0" cy="0"/>
+        </a:xfrm>
+      </p:grpSpPr>
+      <p:pic>
+        <p:nvPicPr>
+          <p:cNvPr id="8" name="그림 7" descr="모니터, 앉아있는, 컴퓨터, 노트북이(가) 표시된 사진&#10;&#10;자동 생성된 설명">
+            <a:extLst>
+              <a:ext uri="{FF2B5EF4-FFF2-40B4-BE49-F238E27FC236}">
+                <a16:creationId xmlns:a16="http://schemas.microsoft.com/office/drawing/2014/main" id="{EDB98343-40D3-6540-95D7-13F0EBCCE5C2}"/>
+              </a:ext>
+            </a:extLst>
+          </p:cNvPr>
+          <p:cNvPicPr>
+            <a:picLocks noChangeAspect="1"/>
+          </p:cNvPicPr>
+          <p:nvPr/>
+        </p:nvPicPr>
+        <p:blipFill>
+          <a:blip r:embed="rId2"/>
+          <a:stretch>
+            <a:fillRect/>
+          </a:stretch>
+        </p:blipFill>
+        <p:spPr>
+          <a:xfrm>
+            <a:off x="10507154" y="497155"/>
+            <a:ext cx="1088571" cy="170894"/>
+          </a:xfrm>
+          <a:prstGeom prst="rect">
+            <a:avLst/>
+          </a:prstGeom>
+        </p:spPr>
+      </p:pic>
+      <p:grpSp>
+        <p:nvGrpSpPr>
+          <p:cNvPr id="4" name="그룹 1">
+            <a:extLst>
+              <a:ext uri="{FF2B5EF4-FFF2-40B4-BE49-F238E27FC236}">
+                <a16:creationId xmlns:a16="http://schemas.microsoft.com/office/drawing/2014/main" id="{8BA0A466-3E65-48B0-8F1C-064F0C000321}"/>
+              </a:ext>
+            </a:extLst>
+          </p:cNvPr>
+          <p:cNvGrpSpPr/>
+          <p:nvPr/>
+        </p:nvGrpSpPr>
+        <p:grpSpPr>
+          <a:xfrm>
+            <a:off x="2857283" y="2919642"/>
+            <a:ext cx="6477434" cy="1018717"/>
+            <a:chOff x="2857282" y="2780812"/>
+            <a:chExt cx="6477434" cy="1018717"/>
+          </a:xfrm>
+        </p:grpSpPr>
+        <p:sp>
+          <p:nvSpPr>
+            <p:cNvPr id="5" name="TextBox 4">
+              <a:extLst>
+                <a:ext uri="{FF2B5EF4-FFF2-40B4-BE49-F238E27FC236}">
+                  <a16:creationId xmlns:a16="http://schemas.microsoft.com/office/drawing/2014/main" id="{0D8F5172-4F9C-4097-9715-63423B454DBE}"/>
+                </a:ext>
+              </a:extLst>
+            </p:cNvPr>
+            <p:cNvSpPr txBox="1"/>
+            <p:nvPr/>
+          </p:nvSpPr>
+          <p:spPr>
+            <a:xfrm>
+              <a:off x="2857282" y="2780812"/>
+              <a:ext cx="364889" cy="1015663"/>
+            </a:xfrm>
+            <a:prstGeom prst="rect">
+              <a:avLst/>
+            </a:prstGeom>
+            <a:noFill/>
+          </p:spPr>
+          <p:txBody>
+            <a:bodyPr wrap="square" rtlCol="0">
+              <a:spAutoFit/>
+            </a:bodyPr>
+            <a:lstStyle/>
+            <a:p>
+              <a:r>
+                <a:rPr kumimoji="1" lang="en-US" altLang="ko-KR" sz="6000" b="1" dirty="0">
+                  <a:solidFill>
+                    <a:srgbClr val="F39A25"/>
+                  </a:solidFill>
+                  <a:latin typeface="Proxima Nova" panose="02000506030000020004" pitchFamily="2" charset="0"/>
+                  <a:ea typeface="Noto Sans CJK KR Bold" panose="020B0500000000000000" pitchFamily="34" charset="-128"/>
+                </a:rPr>
+                <a:t>{</a:t>
+              </a:r>
+              <a:endParaRPr kumimoji="1" lang="ko-KR" altLang="en-US" sz="6000" b="1" dirty="0">
+                <a:solidFill>
+                  <a:srgbClr val="F39A25"/>
+                </a:solidFill>
+                <a:latin typeface="Proxima Nova" panose="02000506030000020004" pitchFamily="2" charset="0"/>
+                <a:ea typeface="Noto Sans CJK KR Bold" panose="020B0500000000000000" pitchFamily="34" charset="-128"/>
+              </a:endParaRPr>
+            </a:p>
+          </p:txBody>
+        </p:sp>
+        <p:sp>
+          <p:nvSpPr>
+            <p:cNvPr id="6" name="TextBox 5">
+              <a:extLst>
+                <a:ext uri="{FF2B5EF4-FFF2-40B4-BE49-F238E27FC236}">
+                  <a16:creationId xmlns:a16="http://schemas.microsoft.com/office/drawing/2014/main" id="{A29879CD-D31B-4A39-B4D5-2EC6B091D285}"/>
+                </a:ext>
+              </a:extLst>
+            </p:cNvPr>
+            <p:cNvSpPr txBox="1"/>
+            <p:nvPr/>
+          </p:nvSpPr>
+          <p:spPr>
+            <a:xfrm>
+              <a:off x="8969827" y="2783866"/>
+              <a:ext cx="364889" cy="1015663"/>
+            </a:xfrm>
+            <a:prstGeom prst="rect">
+              <a:avLst/>
+            </a:prstGeom>
+            <a:noFill/>
+          </p:spPr>
+          <p:txBody>
+            <a:bodyPr wrap="square" rtlCol="0">
+              <a:spAutoFit/>
+            </a:bodyPr>
+            <a:lstStyle/>
+            <a:p>
+              <a:r>
+                <a:rPr kumimoji="1" lang="en-US" altLang="ko-KR" sz="6000" b="1" dirty="0">
+                  <a:solidFill>
+                    <a:srgbClr val="F39A25"/>
+                  </a:solidFill>
+                  <a:latin typeface="Proxima Nova" panose="02000506030000020004" pitchFamily="2" charset="0"/>
+                  <a:ea typeface="Noto Sans CJK KR Bold" panose="020B0500000000000000" pitchFamily="34" charset="-128"/>
+                </a:rPr>
+                <a:t>}</a:t>
+              </a:r>
+              <a:endParaRPr kumimoji="1" lang="ko-KR" altLang="en-US" sz="6000" b="1" dirty="0">
+                <a:solidFill>
+                  <a:srgbClr val="F39A25"/>
+                </a:solidFill>
+                <a:latin typeface="Proxima Nova" panose="02000506030000020004" pitchFamily="2" charset="0"/>
+                <a:ea typeface="Noto Sans CJK KR Bold" panose="020B0500000000000000" pitchFamily="34" charset="-128"/>
+              </a:endParaRPr>
+            </a:p>
+          </p:txBody>
+        </p:sp>
+      </p:grpSp>
+      <p:sp>
+        <p:nvSpPr>
+          <p:cNvPr id="7" name="TextBox 6">
+            <a:extLst>
+              <a:ext uri="{FF2B5EF4-FFF2-40B4-BE49-F238E27FC236}">
+                <a16:creationId xmlns:a16="http://schemas.microsoft.com/office/drawing/2014/main" id="{25C6D502-D035-4670-A6D3-F93ACBC2A7A2}"/>
+              </a:ext>
+            </a:extLst>
+          </p:cNvPr>
+          <p:cNvSpPr txBox="1"/>
+          <p:nvPr/>
+        </p:nvSpPr>
+        <p:spPr>
+          <a:xfrm>
+            <a:off x="3063729" y="2111707"/>
+            <a:ext cx="6064542" cy="2453300"/>
+          </a:xfrm>
+          <a:prstGeom prst="rect">
+            <a:avLst/>
+          </a:prstGeom>
+          <a:noFill/>
+        </p:spPr>
+        <p:txBody>
+          <a:bodyPr wrap="square" rtlCol="0">
+            <a:spAutoFit/>
+          </a:bodyPr>
+          <a:lstStyle/>
+          <a:p>
+            <a:pPr algn="ctr">
+              <a:lnSpc>
+                <a:spcPct val="200000"/>
+              </a:lnSpc>
+            </a:pPr>
+            <a:r>
+              <a:rPr kumimoji="1" lang="en-US" altLang="ko-KR" sz="2000" dirty="0">
+                <a:solidFill>
+                  <a:schemeClr val="tx1">
+                    <a:lumMod val="75000"/>
+                    <a:lumOff val="25000"/>
+                  </a:schemeClr>
+                </a:solidFill>
+                <a:latin typeface="Proxima Nova" panose="02000506030000020004" pitchFamily="2" charset="0"/>
+                <a:ea typeface="Noto Sans CJK KR DemiLight" panose="020B0400000000000000" pitchFamily="34" charset="-128"/>
+                <a:cs typeface="Times New Roman" panose="02020603050405020304" pitchFamily="18" charset="0"/>
+              </a:rPr>
+              <a:t>1.</a:t>
+            </a:r>
+            <a:r>
+              <a:rPr kumimoji="1" lang="vi-VN" altLang="ko-KR" sz="2000" dirty="0">
+                <a:solidFill>
+                  <a:schemeClr val="tx1">
+                    <a:lumMod val="75000"/>
+                    <a:lumOff val="25000"/>
+                  </a:schemeClr>
+                </a:solidFill>
+                <a:latin typeface="Proxima Nova" panose="02000506030000020004" pitchFamily="2" charset="0"/>
+                <a:ea typeface="Noto Sans CJK KR DemiLight" panose="020B0400000000000000" pitchFamily="34" charset="-128"/>
+                <a:cs typeface="Times New Roman" panose="02020603050405020304" pitchFamily="18" charset="0"/>
+              </a:rPr>
+              <a:t> SPA</a:t>
+            </a:r>
+          </a:p>
+          <a:p>
+            <a:pPr algn="ctr">
+              <a:lnSpc>
+                <a:spcPct val="200000"/>
+              </a:lnSpc>
+            </a:pPr>
+            <a:r>
+              <a:rPr kumimoji="1" lang="en-US" altLang="ko-KR" sz="2000" dirty="0">
+                <a:solidFill>
+                  <a:schemeClr val="tx1">
+                    <a:lumMod val="75000"/>
+                    <a:lumOff val="25000"/>
+                  </a:schemeClr>
+                </a:solidFill>
+                <a:latin typeface="Proxima Nova" panose="02000506030000020004" pitchFamily="2" charset="0"/>
+                <a:ea typeface="Noto Sans CJK KR DemiLight" panose="020B0400000000000000" pitchFamily="34" charset="-128"/>
+                <a:cs typeface="Times New Roman" panose="02020603050405020304" pitchFamily="18" charset="0"/>
+              </a:rPr>
+              <a:t>2</a:t>
+            </a:r>
+            <a:r>
+              <a:rPr kumimoji="1" lang="vi-VN" altLang="ko-KR" sz="2000" dirty="0">
+                <a:solidFill>
+                  <a:schemeClr val="tx1">
+                    <a:lumMod val="75000"/>
+                    <a:lumOff val="25000"/>
+                  </a:schemeClr>
+                </a:solidFill>
+                <a:latin typeface="Proxima Nova" panose="02000506030000020004" pitchFamily="2" charset="0"/>
+                <a:ea typeface="Noto Sans CJK KR DemiLight" panose="020B0400000000000000" pitchFamily="34" charset="-128"/>
+                <a:cs typeface="Times New Roman" panose="02020603050405020304" pitchFamily="18" charset="0"/>
+              </a:rPr>
+              <a:t>. Lifecycle Components</a:t>
+            </a:r>
+          </a:p>
+          <a:p>
+            <a:pPr algn="ctr">
+              <a:lnSpc>
+                <a:spcPct val="200000"/>
+              </a:lnSpc>
+            </a:pPr>
+            <a:r>
+              <a:rPr kumimoji="1" lang="vi-VN" altLang="ko-KR" sz="2000" dirty="0">
+                <a:solidFill>
+                  <a:schemeClr val="tx1">
+                    <a:lumMod val="75000"/>
+                    <a:lumOff val="25000"/>
+                  </a:schemeClr>
+                </a:solidFill>
+                <a:latin typeface="Proxima Nova" panose="02000506030000020004" pitchFamily="2" charset="0"/>
+                <a:ea typeface="Noto Sans CJK KR DemiLight" panose="020B0400000000000000" pitchFamily="34" charset="-128"/>
+                <a:cs typeface="Times New Roman" panose="02020603050405020304" pitchFamily="18" charset="0"/>
+              </a:rPr>
+              <a:t>3. Props and State</a:t>
+            </a:r>
+          </a:p>
+          <a:p>
+            <a:pPr algn="ctr">
+              <a:lnSpc>
+                <a:spcPct val="200000"/>
+              </a:lnSpc>
+            </a:pPr>
+            <a:r>
+              <a:rPr kumimoji="1" lang="vi-VN" altLang="ko-KR" sz="2000" dirty="0">
+                <a:solidFill>
+                  <a:schemeClr val="tx1">
+                    <a:lumMod val="75000"/>
+                    <a:lumOff val="25000"/>
+                  </a:schemeClr>
+                </a:solidFill>
+                <a:latin typeface="Proxima Nova" panose="02000506030000020004" pitchFamily="2" charset="0"/>
+                <a:ea typeface="Noto Sans CJK KR DemiLight" panose="020B0400000000000000" pitchFamily="34" charset="-128"/>
+                <a:cs typeface="Times New Roman" panose="02020603050405020304" pitchFamily="18" charset="0"/>
+              </a:rPr>
+              <a:t>4. Hooks: UseEffect</a:t>
+            </a:r>
+          </a:p>
+        </p:txBody>
+      </p:sp>
+      <p:sp>
+        <p:nvSpPr>
+          <p:cNvPr id="10" name="TextBox 9">
+            <a:extLst>
+              <a:ext uri="{FF2B5EF4-FFF2-40B4-BE49-F238E27FC236}">
+                <a16:creationId xmlns:a16="http://schemas.microsoft.com/office/drawing/2014/main" id="{10D8226F-D24A-CB44-8DDE-C8FDE2E74CBC}"/>
+              </a:ext>
+            </a:extLst>
+          </p:cNvPr>
+          <p:cNvSpPr txBox="1"/>
+          <p:nvPr/>
+        </p:nvSpPr>
+        <p:spPr>
+          <a:xfrm>
+            <a:off x="563667" y="443389"/>
+            <a:ext cx="4713514" cy="338554"/>
+          </a:xfrm>
+          <a:prstGeom prst="rect">
+            <a:avLst/>
+          </a:prstGeom>
+          <a:noFill/>
+        </p:spPr>
+        <p:txBody>
+          <a:bodyPr wrap="square" rtlCol="0">
+            <a:spAutoFit/>
+          </a:bodyPr>
+          <a:lstStyle/>
+          <a:p>
+            <a:r>
+              <a:rPr kumimoji="1" lang="en-US" altLang="ko-KR" sz="1600" spc="-60" dirty="0">
+                <a:solidFill>
+                  <a:srgbClr val="FF9E1B"/>
+                </a:solidFill>
+                <a:latin typeface="Proxima Nova" panose="02000506030000020004" pitchFamily="2" charset="0"/>
+                <a:ea typeface="Noto Sans CJK KR Medium" panose="020B0500000000000000" pitchFamily="34" charset="-128"/>
+                <a:cs typeface="Times New Roman" panose="02020603050405020304" pitchFamily="18" charset="0"/>
+              </a:rPr>
+              <a:t>Lecture </a:t>
+            </a:r>
+            <a:r>
+              <a:rPr kumimoji="1" lang="en-US" altLang="ko-KR" sz="1600" spc="-60" dirty="0">
+                <a:solidFill>
+                  <a:schemeClr val="tx1">
+                    <a:lumMod val="75000"/>
+                    <a:lumOff val="25000"/>
+                  </a:schemeClr>
+                </a:solidFill>
+                <a:latin typeface="Proxima Nova" panose="02000506030000020004" pitchFamily="2" charset="0"/>
+                <a:ea typeface="Noto Sans CJK KR DemiLight" panose="020B0400000000000000" pitchFamily="34" charset="-128"/>
+                <a:cs typeface="Times New Roman" panose="02020603050405020304" pitchFamily="18" charset="0"/>
+              </a:rPr>
+              <a:t>|</a:t>
+            </a:r>
+            <a:r>
+              <a:rPr kumimoji="1" lang="ko-KR" altLang="en-US" sz="1600" spc="-60" dirty="0">
+                <a:solidFill>
+                  <a:schemeClr val="tx1">
+                    <a:lumMod val="75000"/>
+                    <a:lumOff val="25000"/>
+                  </a:schemeClr>
+                </a:solidFill>
+                <a:latin typeface="Proxima Nova" panose="02000506030000020004" pitchFamily="2" charset="0"/>
+                <a:ea typeface="Noto Sans CJK KR DemiLight" panose="020B0400000000000000" pitchFamily="34" charset="-128"/>
+                <a:cs typeface="Times New Roman" panose="02020603050405020304" pitchFamily="18" charset="0"/>
+              </a:rPr>
+              <a:t> </a:t>
+            </a:r>
+            <a:r>
+              <a:rPr kumimoji="1" lang="en-US" altLang="ko-KR" sz="1600" spc="-60" dirty="0">
+                <a:solidFill>
+                  <a:schemeClr val="tx1">
+                    <a:lumMod val="75000"/>
+                    <a:lumOff val="25000"/>
+                  </a:schemeClr>
+                </a:solidFill>
+                <a:latin typeface="Proxima Nova" panose="02000506030000020004" pitchFamily="2" charset="0"/>
+                <a:ea typeface="Noto Sans CJK KR DemiLight" panose="020B0400000000000000" pitchFamily="34" charset="-128"/>
+                <a:cs typeface="Times New Roman" panose="02020603050405020304" pitchFamily="18" charset="0"/>
+              </a:rPr>
+              <a:t>React</a:t>
+            </a:r>
+            <a:endParaRPr kumimoji="1" lang="ko-KR" altLang="en-US" sz="1600" spc="-60" dirty="0">
+              <a:solidFill>
+                <a:schemeClr val="tx1">
+                  <a:lumMod val="75000"/>
+                  <a:lumOff val="25000"/>
+                </a:schemeClr>
+              </a:solidFill>
+              <a:latin typeface="Proxima Nova" panose="02000506030000020004" pitchFamily="2" charset="0"/>
+              <a:ea typeface="Noto Sans CJK KR DemiLight" panose="020B0400000000000000" pitchFamily="34" charset="-128"/>
+              <a:cs typeface="Times New Roman" panose="02020603050405020304" pitchFamily="18" charset="0"/>
+            </a:endParaRPr>
+          </a:p>
+        </p:txBody>
+      </p:sp>
+    </p:spTree>
+    <p:extLst>
+      <p:ext uri="{BB962C8B-B14F-4D97-AF65-F5344CB8AC3E}">
         <p14:creationId xmlns:p14="http://schemas.microsoft.com/office/powerpoint/2010/main" val="3526478440"/>
+      </p:ext>
+    </p:extLst>
+  </p:cSld>
+  <p:clrMapOvr>
+    <a:masterClrMapping/>
+  </p:clrMapOvr>
+</p:sld>
+</file>
+
+<file path=ppt/slides/slide20.xml><?xml version="1.0" encoding="utf-8"?>
+<p:sld xmlns:a="http://schemas.openxmlformats.org/drawingml/2006/main" xmlns:r="http://schemas.openxmlformats.org/officeDocument/2006/relationships" xmlns:p="http://schemas.openxmlformats.org/presentationml/2006/main">
+  <p:cSld>
+    <p:spTree>
+      <p:nvGrpSpPr>
+        <p:cNvPr id="1" name=""/>
+        <p:cNvGrpSpPr/>
+        <p:nvPr/>
+      </p:nvGrpSpPr>
+      <p:grpSpPr>
+        <a:xfrm>
+          <a:off x="0" y="0"/>
+          <a:ext cx="0" cy="0"/>
+          <a:chOff x="0" y="0"/>
+          <a:chExt cx="0" cy="0"/>
+        </a:xfrm>
+      </p:grpSpPr>
+      <p:pic>
+        <p:nvPicPr>
+          <p:cNvPr id="8" name="그림 7" descr="모니터, 앉아있는, 컴퓨터, 노트북이(가) 표시된 사진&#10;&#10;자동 생성된 설명">
+            <a:extLst>
+              <a:ext uri="{FF2B5EF4-FFF2-40B4-BE49-F238E27FC236}">
+                <a16:creationId xmlns:a16="http://schemas.microsoft.com/office/drawing/2014/main" id="{EDB98343-40D3-6540-95D7-13F0EBCCE5C2}"/>
+              </a:ext>
+            </a:extLst>
+          </p:cNvPr>
+          <p:cNvPicPr>
+            <a:picLocks noChangeAspect="1"/>
+          </p:cNvPicPr>
+          <p:nvPr/>
+        </p:nvPicPr>
+        <p:blipFill>
+          <a:blip r:embed="rId2"/>
+          <a:stretch>
+            <a:fillRect/>
+          </a:stretch>
+        </p:blipFill>
+        <p:spPr>
+          <a:xfrm>
+            <a:off x="10507154" y="497155"/>
+            <a:ext cx="1088571" cy="170894"/>
+          </a:xfrm>
+          <a:prstGeom prst="rect">
+            <a:avLst/>
+          </a:prstGeom>
+        </p:spPr>
+      </p:pic>
+      <p:sp>
+        <p:nvSpPr>
+          <p:cNvPr id="5" name="TextBox 4">
+            <a:extLst>
+              <a:ext uri="{FF2B5EF4-FFF2-40B4-BE49-F238E27FC236}">
+                <a16:creationId xmlns:a16="http://schemas.microsoft.com/office/drawing/2014/main" id="{947EDDC4-8379-094A-BEE1-5504BFCE077F}"/>
+              </a:ext>
+            </a:extLst>
+          </p:cNvPr>
+          <p:cNvSpPr txBox="1"/>
+          <p:nvPr/>
+        </p:nvSpPr>
+        <p:spPr>
+          <a:xfrm>
+            <a:off x="2945550" y="2921168"/>
+            <a:ext cx="6300899" cy="1015663"/>
+          </a:xfrm>
+          <a:prstGeom prst="rect">
+            <a:avLst/>
+          </a:prstGeom>
+          <a:noFill/>
+        </p:spPr>
+        <p:txBody>
+          <a:bodyPr wrap="square" rtlCol="0">
+            <a:spAutoFit/>
+          </a:bodyPr>
+          <a:lstStyle/>
+          <a:p>
+            <a:pPr algn="ctr"/>
+            <a:r>
+              <a:rPr kumimoji="1" lang="en-US" altLang="ko-KR" sz="6000" b="1" dirty="0">
+                <a:solidFill>
+                  <a:schemeClr val="tx1">
+                    <a:lumMod val="75000"/>
+                    <a:lumOff val="25000"/>
+                  </a:schemeClr>
+                </a:solidFill>
+                <a:latin typeface="Proxima Nova" panose="02000506030000020004" pitchFamily="2" charset="0"/>
+                <a:ea typeface="Noto Sans CJK KR" panose="020B0500000000000000" pitchFamily="34" charset="-128"/>
+              </a:rPr>
+              <a:t>Thank you!</a:t>
+            </a:r>
+            <a:endParaRPr kumimoji="1" lang="ko-KR" altLang="en-US" sz="6000" b="1" dirty="0">
+              <a:solidFill>
+                <a:srgbClr val="404040"/>
+              </a:solidFill>
+              <a:latin typeface="Proxima Nova" panose="02000506030000020004" pitchFamily="2" charset="0"/>
+              <a:ea typeface="Noto Sans CJK KR" panose="020B0500000000000000" pitchFamily="34" charset="-128"/>
+            </a:endParaRPr>
+          </a:p>
+        </p:txBody>
+      </p:sp>
+      <p:sp>
+        <p:nvSpPr>
+          <p:cNvPr id="6" name="Google Shape;123;p21">
+            <a:extLst>
+              <a:ext uri="{FF2B5EF4-FFF2-40B4-BE49-F238E27FC236}">
+                <a16:creationId xmlns:a16="http://schemas.microsoft.com/office/drawing/2014/main" id="{E2D3DC69-460B-6C41-926F-12DC8DA6D75D}"/>
+              </a:ext>
+            </a:extLst>
+          </p:cNvPr>
+          <p:cNvSpPr txBox="1"/>
+          <p:nvPr/>
+        </p:nvSpPr>
+        <p:spPr>
+          <a:xfrm>
+            <a:off x="10142483" y="6208548"/>
+            <a:ext cx="2049518" cy="649452"/>
+          </a:xfrm>
+          <a:prstGeom prst="rect">
+            <a:avLst/>
+          </a:prstGeom>
+          <a:noFill/>
+          <a:ln>
+            <a:noFill/>
+          </a:ln>
+        </p:spPr>
+        <p:txBody>
+          <a:bodyPr spcFirstLastPara="1" wrap="square" lIns="91425" tIns="91425" rIns="91425" bIns="91425" anchor="t" anchorCtr="0">
+            <a:noAutofit/>
+          </a:bodyPr>
+          <a:lstStyle/>
+          <a:p>
+            <a:pPr marL="0" lvl="0" indent="0" algn="l" rtl="0">
+              <a:spcBef>
+                <a:spcPts val="0"/>
+              </a:spcBef>
+              <a:spcAft>
+                <a:spcPts val="0"/>
+              </a:spcAft>
+              <a:buNone/>
+            </a:pPr>
+            <a:r>
+              <a:rPr lang="en" sz="1400" dirty="0">
+                <a:solidFill>
+                  <a:srgbClr val="FF00FF"/>
+                </a:solidFill>
+                <a:latin typeface="Proxima Nova" panose="02000506030000020004" pitchFamily="2" charset="0"/>
+                <a:ea typeface="Proxima Nova"/>
+                <a:cs typeface="Proxima Nova"/>
+                <a:sym typeface="Proxima Nova"/>
+              </a:rPr>
+              <a:t>Reminder:</a:t>
+            </a:r>
+          </a:p>
+          <a:p>
+            <a:pPr marL="0" lvl="0" indent="0" algn="l" rtl="0">
+              <a:spcBef>
+                <a:spcPts val="0"/>
+              </a:spcBef>
+              <a:spcAft>
+                <a:spcPts val="0"/>
+              </a:spcAft>
+              <a:buNone/>
+            </a:pPr>
+            <a:r>
+              <a:rPr lang="en" sz="1400" dirty="0">
+                <a:solidFill>
+                  <a:srgbClr val="FF00FF"/>
+                </a:solidFill>
+                <a:latin typeface="Proxima Nova" panose="02000506030000020004" pitchFamily="2" charset="0"/>
+                <a:ea typeface="Proxima Nova"/>
+                <a:cs typeface="Proxima Nova"/>
+                <a:sym typeface="Proxima Nova"/>
+              </a:rPr>
+              <a:t>Practice makes perfect</a:t>
+            </a:r>
+            <a:endParaRPr sz="1400" dirty="0">
+              <a:solidFill>
+                <a:srgbClr val="FF00FF"/>
+              </a:solidFill>
+              <a:latin typeface="Proxima Nova" panose="02000506030000020004" pitchFamily="2" charset="0"/>
+              <a:ea typeface="Proxima Nova"/>
+              <a:cs typeface="Proxima Nova"/>
+              <a:sym typeface="Proxima Nova"/>
+            </a:endParaRPr>
+          </a:p>
+        </p:txBody>
+      </p:sp>
+      <p:sp>
+        <p:nvSpPr>
+          <p:cNvPr id="7" name="TextBox 6">
+            <a:extLst>
+              <a:ext uri="{FF2B5EF4-FFF2-40B4-BE49-F238E27FC236}">
+                <a16:creationId xmlns:a16="http://schemas.microsoft.com/office/drawing/2014/main" id="{BF6A0C4F-4F03-2742-BD9A-2D17F873AAF0}"/>
+              </a:ext>
+            </a:extLst>
+          </p:cNvPr>
+          <p:cNvSpPr txBox="1"/>
+          <p:nvPr/>
+        </p:nvSpPr>
+        <p:spPr>
+          <a:xfrm>
+            <a:off x="563667" y="443389"/>
+            <a:ext cx="4713514" cy="338554"/>
+          </a:xfrm>
+          <a:prstGeom prst="rect">
+            <a:avLst/>
+          </a:prstGeom>
+          <a:noFill/>
+        </p:spPr>
+        <p:txBody>
+          <a:bodyPr wrap="square" rtlCol="0">
+            <a:spAutoFit/>
+          </a:bodyPr>
+          <a:lstStyle/>
+          <a:p>
+            <a:r>
+              <a:rPr kumimoji="1" lang="en-US" altLang="ko-KR" sz="1600" spc="-60" dirty="0">
+                <a:solidFill>
+                  <a:srgbClr val="FF9E1B"/>
+                </a:solidFill>
+                <a:latin typeface="Proxima Nova" panose="02000506030000020004" pitchFamily="2" charset="0"/>
+                <a:ea typeface="Noto Sans CJK KR Medium" panose="020B0500000000000000" pitchFamily="34" charset="-128"/>
+                <a:cs typeface="Times New Roman" panose="02020603050405020304" pitchFamily="18" charset="0"/>
+              </a:rPr>
+              <a:t>Lecture </a:t>
+            </a:r>
+            <a:r>
+              <a:rPr kumimoji="1" lang="en-US" altLang="ko-KR" sz="1600" spc="-60" dirty="0">
+                <a:solidFill>
+                  <a:schemeClr val="tx1">
+                    <a:lumMod val="75000"/>
+                    <a:lumOff val="25000"/>
+                  </a:schemeClr>
+                </a:solidFill>
+                <a:latin typeface="Proxima Nova" panose="02000506030000020004" pitchFamily="2" charset="0"/>
+                <a:ea typeface="Noto Sans CJK KR DemiLight" panose="020B0400000000000000" pitchFamily="34" charset="-128"/>
+                <a:cs typeface="Times New Roman" panose="02020603050405020304" pitchFamily="18" charset="0"/>
+              </a:rPr>
+              <a:t>|</a:t>
+            </a:r>
+            <a:r>
+              <a:rPr kumimoji="1" lang="ko-KR" altLang="en-US" sz="1600" spc="-60" dirty="0">
+                <a:solidFill>
+                  <a:schemeClr val="tx1">
+                    <a:lumMod val="75000"/>
+                    <a:lumOff val="25000"/>
+                  </a:schemeClr>
+                </a:solidFill>
+                <a:latin typeface="Proxima Nova" panose="02000506030000020004" pitchFamily="2" charset="0"/>
+                <a:ea typeface="Noto Sans CJK KR DemiLight" panose="020B0400000000000000" pitchFamily="34" charset="-128"/>
+                <a:cs typeface="Times New Roman" panose="02020603050405020304" pitchFamily="18" charset="0"/>
+              </a:rPr>
+              <a:t> </a:t>
+            </a:r>
+            <a:r>
+              <a:rPr kumimoji="1" lang="en-US" altLang="ko-KR" sz="1600" spc="-60" dirty="0">
+                <a:solidFill>
+                  <a:schemeClr val="tx1">
+                    <a:lumMod val="75000"/>
+                    <a:lumOff val="25000"/>
+                  </a:schemeClr>
+                </a:solidFill>
+                <a:latin typeface="Proxima Nova" panose="02000506030000020004" pitchFamily="2" charset="0"/>
+                <a:ea typeface="Noto Sans CJK KR DemiLight" panose="020B0400000000000000" pitchFamily="34" charset="-128"/>
+                <a:cs typeface="Times New Roman" panose="02020603050405020304" pitchFamily="18" charset="0"/>
+              </a:rPr>
+              <a:t>React</a:t>
+            </a:r>
+            <a:endParaRPr kumimoji="1" lang="ko-KR" altLang="en-US" sz="1600" spc="-60" dirty="0">
+              <a:solidFill>
+                <a:schemeClr val="tx1">
+                  <a:lumMod val="75000"/>
+                  <a:lumOff val="25000"/>
+                </a:schemeClr>
+              </a:solidFill>
+              <a:latin typeface="Proxima Nova" panose="02000506030000020004" pitchFamily="2" charset="0"/>
+              <a:ea typeface="Noto Sans CJK KR DemiLight" panose="020B0400000000000000" pitchFamily="34" charset="-128"/>
+              <a:cs typeface="Times New Roman" panose="02020603050405020304" pitchFamily="18" charset="0"/>
+            </a:endParaRPr>
+          </a:p>
+        </p:txBody>
+      </p:sp>
+    </p:spTree>
+    <p:extLst>
+      <p:ext uri="{BB962C8B-B14F-4D97-AF65-F5344CB8AC3E}">
+        <p14:creationId xmlns:p14="http://schemas.microsoft.com/office/powerpoint/2010/main" val="1234578083"/>
       </p:ext>
     </p:extLst>
   </p:cSld>
